--- a/03-metadata/cviceni-03.pptx
+++ b/03-metadata/cviceni-03.pptx
@@ -7628,7 +7628,7 @@
             <a:fld id="{5586B75A-687E-405C-8A0B-8D00578BA2C3}" type="datetimeFigureOut">
               <a:rPr lang="en-US" smtClean="0"/>
               <a:pPr/>
-              <a:t>3/3/2021</a:t>
+              <a:t>9/28/2021</a:t>
             </a:fld>
             <a:endParaRPr lang="en-US" dirty="0"/>
           </a:p>
@@ -7881,7 +7881,7 @@
             <a:fld id="{5586B75A-687E-405C-8A0B-8D00578BA2C3}" type="datetimeFigureOut">
               <a:rPr lang="en-US" smtClean="0"/>
               <a:pPr/>
-              <a:t>3/3/2021</a:t>
+              <a:t>9/28/2021</a:t>
             </a:fld>
             <a:endParaRPr lang="en-US" dirty="0"/>
           </a:p>
@@ -8198,7 +8198,7 @@
             <a:fld id="{5586B75A-687E-405C-8A0B-8D00578BA2C3}" type="datetimeFigureOut">
               <a:rPr lang="en-US" smtClean="0"/>
               <a:pPr/>
-              <a:t>3/3/2021</a:t>
+              <a:t>9/28/2021</a:t>
             </a:fld>
             <a:endParaRPr lang="en-US" dirty="0"/>
           </a:p>
@@ -8528,7 +8528,7 @@
             <a:fld id="{5586B75A-687E-405C-8A0B-8D00578BA2C3}" type="datetimeFigureOut">
               <a:rPr lang="en-US" smtClean="0"/>
               <a:pPr/>
-              <a:t>3/3/2021</a:t>
+              <a:t>9/28/2021</a:t>
             </a:fld>
             <a:endParaRPr lang="en-US" dirty="0"/>
           </a:p>
@@ -8845,7 +8845,7 @@
             <a:fld id="{5586B75A-687E-405C-8A0B-8D00578BA2C3}" type="datetimeFigureOut">
               <a:rPr lang="en-US" smtClean="0"/>
               <a:pPr/>
-              <a:t>3/3/2021</a:t>
+              <a:t>9/28/2021</a:t>
             </a:fld>
             <a:endParaRPr lang="en-US" dirty="0"/>
           </a:p>
@@ -9235,7 +9235,7 @@
             <a:fld id="{5586B75A-687E-405C-8A0B-8D00578BA2C3}" type="datetimeFigureOut">
               <a:rPr lang="en-US" smtClean="0"/>
               <a:pPr/>
-              <a:t>3/3/2021</a:t>
+              <a:t>9/28/2021</a:t>
             </a:fld>
             <a:endParaRPr lang="en-US" dirty="0"/>
           </a:p>
@@ -9407,7 +9407,7 @@
           <a:p>
             <a:fld id="{5F4E5243-F52A-4D37-9694-EB26C6C31910}" type="datetimeFigureOut">
               <a:rPr lang="en-US" smtClean="0"/>
-              <a:t>3/3/2021</a:t>
+              <a:t>9/28/2021</a:t>
             </a:fld>
             <a:endParaRPr lang="en-US" dirty="0"/>
           </a:p>
@@ -9587,7 +9587,7 @@
           <a:p>
             <a:fld id="{3A77B6E1-634A-48DC-9E8B-D894023267EF}" type="datetimeFigureOut">
               <a:rPr lang="en-US" smtClean="0"/>
-              <a:t>3/3/2021</a:t>
+              <a:t>9/28/2021</a:t>
             </a:fld>
             <a:endParaRPr lang="en-US" dirty="0"/>
           </a:p>
@@ -9763,7 +9763,7 @@
           <a:p>
             <a:fld id="{7B2D3E9E-A95C-48F2-B4BF-A71542E0BE9A}" type="datetimeFigureOut">
               <a:rPr lang="en-US" smtClean="0"/>
-              <a:t>3/3/2021</a:t>
+              <a:t>9/28/2021</a:t>
             </a:fld>
             <a:endParaRPr lang="en-US" dirty="0"/>
           </a:p>
@@ -10011,7 +10011,7 @@
             <a:fld id="{5586B75A-687E-405C-8A0B-8D00578BA2C3}" type="datetimeFigureOut">
               <a:rPr lang="en-US" smtClean="0"/>
               <a:pPr/>
-              <a:t>3/3/2021</a:t>
+              <a:t>9/28/2021</a:t>
             </a:fld>
             <a:endParaRPr lang="en-US" dirty="0"/>
           </a:p>
@@ -10244,7 +10244,7 @@
           <a:p>
             <a:fld id="{F12952B5-7A2F-4CC8-B7CE-9234E21C2837}" type="datetimeFigureOut">
               <a:rPr lang="en-US" smtClean="0"/>
-              <a:t>3/3/2021</a:t>
+              <a:t>9/28/2021</a:t>
             </a:fld>
             <a:endParaRPr lang="en-US" dirty="0"/>
           </a:p>
@@ -10618,7 +10618,7 @@
           <a:p>
             <a:fld id="{CE1DA07A-9201-4B4B-BAF2-015AFA30F520}" type="datetimeFigureOut">
               <a:rPr lang="en-US" smtClean="0"/>
-              <a:t>3/3/2021</a:t>
+              <a:t>9/28/2021</a:t>
             </a:fld>
             <a:endParaRPr lang="en-US" dirty="0"/>
           </a:p>
@@ -10741,7 +10741,7 @@
           <a:p>
             <a:fld id="{73D7E00A-486F-4252-8B1D-E32645521F49}" type="datetimeFigureOut">
               <a:rPr lang="en-US" smtClean="0"/>
-              <a:t>3/3/2021</a:t>
+              <a:t>9/28/2021</a:t>
             </a:fld>
             <a:endParaRPr lang="en-US" dirty="0"/>
           </a:p>
@@ -10836,7 +10836,7 @@
           <a:p>
             <a:fld id="{8DDF5F92-E675-4B36-9A60-69A962A68675}" type="datetimeFigureOut">
               <a:rPr lang="en-US" smtClean="0"/>
-              <a:t>3/3/2021</a:t>
+              <a:t>9/28/2021</a:t>
             </a:fld>
             <a:endParaRPr lang="en-US" dirty="0"/>
           </a:p>
@@ -11091,7 +11091,7 @@
           <a:p>
             <a:fld id="{AF6E2C9B-5FA2-460D-9BE7-B0812FC2A6FF}" type="datetimeFigureOut">
               <a:rPr lang="en-US" smtClean="0"/>
-              <a:t>3/3/2021</a:t>
+              <a:t>9/28/2021</a:t>
             </a:fld>
             <a:endParaRPr lang="en-US" dirty="0"/>
           </a:p>
@@ -11356,7 +11356,7 @@
             <a:fld id="{5586B75A-687E-405C-8A0B-8D00578BA2C3}" type="datetimeFigureOut">
               <a:rPr lang="en-US" smtClean="0"/>
               <a:pPr/>
-              <a:t>3/3/2021</a:t>
+              <a:t>9/28/2021</a:t>
             </a:fld>
             <a:endParaRPr lang="en-US" dirty="0"/>
           </a:p>
@@ -12103,7 +12103,7 @@
             <a:fld id="{5586B75A-687E-405C-8A0B-8D00578BA2C3}" type="datetimeFigureOut">
               <a:rPr lang="en-US" smtClean="0"/>
               <a:pPr/>
-              <a:t>3/3/2021</a:t>
+              <a:t>9/28/2021</a:t>
             </a:fld>
             <a:endParaRPr lang="en-US" dirty="0"/>
           </a:p>
@@ -13036,7 +13036,15 @@
           <a:p>
             <a:r>
               <a:rPr lang="cs-CZ" dirty="0"/>
-              <a:t>=&gt;Rozšíření popisy stránek pomocí strukturovaných sémantických dat</a:t>
+              <a:t>=&gt; </a:t>
+            </a:r>
+            <a:r>
+              <a:rPr lang="cs-CZ"/>
+              <a:t>rozšíření popisu </a:t>
+            </a:r>
+            <a:r>
+              <a:rPr lang="cs-CZ" dirty="0"/>
+              <a:t>stránek pomocí strukturovaných sémantických dat</a:t>
             </a:r>
           </a:p>
         </p:txBody>

--- a/03-metadata/cviceni-03.pptx
+++ b/03-metadata/cviceni-03.pptx
@@ -7628,7 +7628,7 @@
             <a:fld id="{5586B75A-687E-405C-8A0B-8D00578BA2C3}" type="datetimeFigureOut">
               <a:rPr lang="en-US" smtClean="0"/>
               <a:pPr/>
-              <a:t>9/28/2021</a:t>
+              <a:t>10/9/2022</a:t>
             </a:fld>
             <a:endParaRPr lang="en-US" dirty="0"/>
           </a:p>
@@ -7881,7 +7881,7 @@
             <a:fld id="{5586B75A-687E-405C-8A0B-8D00578BA2C3}" type="datetimeFigureOut">
               <a:rPr lang="en-US" smtClean="0"/>
               <a:pPr/>
-              <a:t>9/28/2021</a:t>
+              <a:t>10/9/2022</a:t>
             </a:fld>
             <a:endParaRPr lang="en-US" dirty="0"/>
           </a:p>
@@ -8198,7 +8198,7 @@
             <a:fld id="{5586B75A-687E-405C-8A0B-8D00578BA2C3}" type="datetimeFigureOut">
               <a:rPr lang="en-US" smtClean="0"/>
               <a:pPr/>
-              <a:t>9/28/2021</a:t>
+              <a:t>10/9/2022</a:t>
             </a:fld>
             <a:endParaRPr lang="en-US" dirty="0"/>
           </a:p>
@@ -8528,7 +8528,7 @@
             <a:fld id="{5586B75A-687E-405C-8A0B-8D00578BA2C3}" type="datetimeFigureOut">
               <a:rPr lang="en-US" smtClean="0"/>
               <a:pPr/>
-              <a:t>9/28/2021</a:t>
+              <a:t>10/9/2022</a:t>
             </a:fld>
             <a:endParaRPr lang="en-US" dirty="0"/>
           </a:p>
@@ -8845,7 +8845,7 @@
             <a:fld id="{5586B75A-687E-405C-8A0B-8D00578BA2C3}" type="datetimeFigureOut">
               <a:rPr lang="en-US" smtClean="0"/>
               <a:pPr/>
-              <a:t>9/28/2021</a:t>
+              <a:t>10/9/2022</a:t>
             </a:fld>
             <a:endParaRPr lang="en-US" dirty="0"/>
           </a:p>
@@ -9235,7 +9235,7 @@
             <a:fld id="{5586B75A-687E-405C-8A0B-8D00578BA2C3}" type="datetimeFigureOut">
               <a:rPr lang="en-US" smtClean="0"/>
               <a:pPr/>
-              <a:t>9/28/2021</a:t>
+              <a:t>10/9/2022</a:t>
             </a:fld>
             <a:endParaRPr lang="en-US" dirty="0"/>
           </a:p>
@@ -9407,7 +9407,7 @@
           <a:p>
             <a:fld id="{5F4E5243-F52A-4D37-9694-EB26C6C31910}" type="datetimeFigureOut">
               <a:rPr lang="en-US" smtClean="0"/>
-              <a:t>9/28/2021</a:t>
+              <a:t>10/9/2022</a:t>
             </a:fld>
             <a:endParaRPr lang="en-US" dirty="0"/>
           </a:p>
@@ -9587,7 +9587,7 @@
           <a:p>
             <a:fld id="{3A77B6E1-634A-48DC-9E8B-D894023267EF}" type="datetimeFigureOut">
               <a:rPr lang="en-US" smtClean="0"/>
-              <a:t>9/28/2021</a:t>
+              <a:t>10/9/2022</a:t>
             </a:fld>
             <a:endParaRPr lang="en-US" dirty="0"/>
           </a:p>
@@ -9763,7 +9763,7 @@
           <a:p>
             <a:fld id="{7B2D3E9E-A95C-48F2-B4BF-A71542E0BE9A}" type="datetimeFigureOut">
               <a:rPr lang="en-US" smtClean="0"/>
-              <a:t>9/28/2021</a:t>
+              <a:t>10/9/2022</a:t>
             </a:fld>
             <a:endParaRPr lang="en-US" dirty="0"/>
           </a:p>
@@ -10011,7 +10011,7 @@
             <a:fld id="{5586B75A-687E-405C-8A0B-8D00578BA2C3}" type="datetimeFigureOut">
               <a:rPr lang="en-US" smtClean="0"/>
               <a:pPr/>
-              <a:t>9/28/2021</a:t>
+              <a:t>10/9/2022</a:t>
             </a:fld>
             <a:endParaRPr lang="en-US" dirty="0"/>
           </a:p>
@@ -10244,7 +10244,7 @@
           <a:p>
             <a:fld id="{F12952B5-7A2F-4CC8-B7CE-9234E21C2837}" type="datetimeFigureOut">
               <a:rPr lang="en-US" smtClean="0"/>
-              <a:t>9/28/2021</a:t>
+              <a:t>10/9/2022</a:t>
             </a:fld>
             <a:endParaRPr lang="en-US" dirty="0"/>
           </a:p>
@@ -10618,7 +10618,7 @@
           <a:p>
             <a:fld id="{CE1DA07A-9201-4B4B-BAF2-015AFA30F520}" type="datetimeFigureOut">
               <a:rPr lang="en-US" smtClean="0"/>
-              <a:t>9/28/2021</a:t>
+              <a:t>10/9/2022</a:t>
             </a:fld>
             <a:endParaRPr lang="en-US" dirty="0"/>
           </a:p>
@@ -10741,7 +10741,7 @@
           <a:p>
             <a:fld id="{73D7E00A-486F-4252-8B1D-E32645521F49}" type="datetimeFigureOut">
               <a:rPr lang="en-US" smtClean="0"/>
-              <a:t>9/28/2021</a:t>
+              <a:t>10/9/2022</a:t>
             </a:fld>
             <a:endParaRPr lang="en-US" dirty="0"/>
           </a:p>
@@ -10836,7 +10836,7 @@
           <a:p>
             <a:fld id="{8DDF5F92-E675-4B36-9A60-69A962A68675}" type="datetimeFigureOut">
               <a:rPr lang="en-US" smtClean="0"/>
-              <a:t>9/28/2021</a:t>
+              <a:t>10/9/2022</a:t>
             </a:fld>
             <a:endParaRPr lang="en-US" dirty="0"/>
           </a:p>
@@ -11091,7 +11091,7 @@
           <a:p>
             <a:fld id="{AF6E2C9B-5FA2-460D-9BE7-B0812FC2A6FF}" type="datetimeFigureOut">
               <a:rPr lang="en-US" smtClean="0"/>
-              <a:t>9/28/2021</a:t>
+              <a:t>10/9/2022</a:t>
             </a:fld>
             <a:endParaRPr lang="en-US" dirty="0"/>
           </a:p>
@@ -11356,7 +11356,7 @@
             <a:fld id="{5586B75A-687E-405C-8A0B-8D00578BA2C3}" type="datetimeFigureOut">
               <a:rPr lang="en-US" smtClean="0"/>
               <a:pPr/>
-              <a:t>9/28/2021</a:t>
+              <a:t>10/9/2022</a:t>
             </a:fld>
             <a:endParaRPr lang="en-US" dirty="0"/>
           </a:p>
@@ -12103,7 +12103,7 @@
             <a:fld id="{5586B75A-687E-405C-8A0B-8D00578BA2C3}" type="datetimeFigureOut">
               <a:rPr lang="en-US" smtClean="0"/>
               <a:pPr/>
-              <a:t>9/28/2021</a:t>
+              <a:t>10/9/2022</a:t>
             </a:fld>
             <a:endParaRPr lang="en-US" dirty="0"/>
           </a:p>
@@ -15189,7 +15189,7 @@
           <a:p>
             <a:r>
               <a:rPr lang="cs-CZ" dirty="0"/>
-              <a:t>Výukový server eso.vse.cz</a:t>
+              <a:t>Výukový server esotemp.vse.cz</a:t>
             </a:r>
           </a:p>
         </p:txBody>
@@ -15267,7 +15267,7 @@
             <a:pPr lvl="1"/>
             <a:r>
               <a:rPr lang="cs-CZ" dirty="0"/>
-              <a:t>Adresa serveru:		eso.vse.cz</a:t>
+              <a:t>Adresa serveru:		esotemp.vse.cz</a:t>
             </a:r>
           </a:p>
           <a:p>
@@ -15307,7 +15307,7 @@
               <a:rPr lang="cs-CZ" dirty="0">
                 <a:hlinkClick r:id="rId3"/>
               </a:rPr>
-              <a:t>https://eso.vse.cz/</a:t>
+              <a:t>https://esotemp.vse.cz/</a:t>
             </a:r>
             <a:r>
               <a:rPr lang="en-US" dirty="0">

--- a/03-metadata/cviceni-03.pptx
+++ b/03-metadata/cviceni-03.pptx
@@ -7628,7 +7628,7 @@
             <a:fld id="{5586B75A-687E-405C-8A0B-8D00578BA2C3}" type="datetimeFigureOut">
               <a:rPr lang="en-US" smtClean="0"/>
               <a:pPr/>
-              <a:t>10/9/2022</a:t>
+              <a:t>10/1/2023</a:t>
             </a:fld>
             <a:endParaRPr lang="en-US" dirty="0"/>
           </a:p>
@@ -7881,7 +7881,7 @@
             <a:fld id="{5586B75A-687E-405C-8A0B-8D00578BA2C3}" type="datetimeFigureOut">
               <a:rPr lang="en-US" smtClean="0"/>
               <a:pPr/>
-              <a:t>10/9/2022</a:t>
+              <a:t>10/1/2023</a:t>
             </a:fld>
             <a:endParaRPr lang="en-US" dirty="0"/>
           </a:p>
@@ -8198,7 +8198,7 @@
             <a:fld id="{5586B75A-687E-405C-8A0B-8D00578BA2C3}" type="datetimeFigureOut">
               <a:rPr lang="en-US" smtClean="0"/>
               <a:pPr/>
-              <a:t>10/9/2022</a:t>
+              <a:t>10/1/2023</a:t>
             </a:fld>
             <a:endParaRPr lang="en-US" dirty="0"/>
           </a:p>
@@ -8528,7 +8528,7 @@
             <a:fld id="{5586B75A-687E-405C-8A0B-8D00578BA2C3}" type="datetimeFigureOut">
               <a:rPr lang="en-US" smtClean="0"/>
               <a:pPr/>
-              <a:t>10/9/2022</a:t>
+              <a:t>10/1/2023</a:t>
             </a:fld>
             <a:endParaRPr lang="en-US" dirty="0"/>
           </a:p>
@@ -8845,7 +8845,7 @@
             <a:fld id="{5586B75A-687E-405C-8A0B-8D00578BA2C3}" type="datetimeFigureOut">
               <a:rPr lang="en-US" smtClean="0"/>
               <a:pPr/>
-              <a:t>10/9/2022</a:t>
+              <a:t>10/1/2023</a:t>
             </a:fld>
             <a:endParaRPr lang="en-US" dirty="0"/>
           </a:p>
@@ -9235,7 +9235,7 @@
             <a:fld id="{5586B75A-687E-405C-8A0B-8D00578BA2C3}" type="datetimeFigureOut">
               <a:rPr lang="en-US" smtClean="0"/>
               <a:pPr/>
-              <a:t>10/9/2022</a:t>
+              <a:t>10/1/2023</a:t>
             </a:fld>
             <a:endParaRPr lang="en-US" dirty="0"/>
           </a:p>
@@ -9407,7 +9407,7 @@
           <a:p>
             <a:fld id="{5F4E5243-F52A-4D37-9694-EB26C6C31910}" type="datetimeFigureOut">
               <a:rPr lang="en-US" smtClean="0"/>
-              <a:t>10/9/2022</a:t>
+              <a:t>10/1/2023</a:t>
             </a:fld>
             <a:endParaRPr lang="en-US" dirty="0"/>
           </a:p>
@@ -9587,7 +9587,7 @@
           <a:p>
             <a:fld id="{3A77B6E1-634A-48DC-9E8B-D894023267EF}" type="datetimeFigureOut">
               <a:rPr lang="en-US" smtClean="0"/>
-              <a:t>10/9/2022</a:t>
+              <a:t>10/1/2023</a:t>
             </a:fld>
             <a:endParaRPr lang="en-US" dirty="0"/>
           </a:p>
@@ -9763,7 +9763,7 @@
           <a:p>
             <a:fld id="{7B2D3E9E-A95C-48F2-B4BF-A71542E0BE9A}" type="datetimeFigureOut">
               <a:rPr lang="en-US" smtClean="0"/>
-              <a:t>10/9/2022</a:t>
+              <a:t>10/1/2023</a:t>
             </a:fld>
             <a:endParaRPr lang="en-US" dirty="0"/>
           </a:p>
@@ -10011,7 +10011,7 @@
             <a:fld id="{5586B75A-687E-405C-8A0B-8D00578BA2C3}" type="datetimeFigureOut">
               <a:rPr lang="en-US" smtClean="0"/>
               <a:pPr/>
-              <a:t>10/9/2022</a:t>
+              <a:t>10/1/2023</a:t>
             </a:fld>
             <a:endParaRPr lang="en-US" dirty="0"/>
           </a:p>
@@ -10244,7 +10244,7 @@
           <a:p>
             <a:fld id="{F12952B5-7A2F-4CC8-B7CE-9234E21C2837}" type="datetimeFigureOut">
               <a:rPr lang="en-US" smtClean="0"/>
-              <a:t>10/9/2022</a:t>
+              <a:t>10/1/2023</a:t>
             </a:fld>
             <a:endParaRPr lang="en-US" dirty="0"/>
           </a:p>
@@ -10618,7 +10618,7 @@
           <a:p>
             <a:fld id="{CE1DA07A-9201-4B4B-BAF2-015AFA30F520}" type="datetimeFigureOut">
               <a:rPr lang="en-US" smtClean="0"/>
-              <a:t>10/9/2022</a:t>
+              <a:t>10/1/2023</a:t>
             </a:fld>
             <a:endParaRPr lang="en-US" dirty="0"/>
           </a:p>
@@ -10741,7 +10741,7 @@
           <a:p>
             <a:fld id="{73D7E00A-486F-4252-8B1D-E32645521F49}" type="datetimeFigureOut">
               <a:rPr lang="en-US" smtClean="0"/>
-              <a:t>10/9/2022</a:t>
+              <a:t>10/1/2023</a:t>
             </a:fld>
             <a:endParaRPr lang="en-US" dirty="0"/>
           </a:p>
@@ -10836,7 +10836,7 @@
           <a:p>
             <a:fld id="{8DDF5F92-E675-4B36-9A60-69A962A68675}" type="datetimeFigureOut">
               <a:rPr lang="en-US" smtClean="0"/>
-              <a:t>10/9/2022</a:t>
+              <a:t>10/1/2023</a:t>
             </a:fld>
             <a:endParaRPr lang="en-US" dirty="0"/>
           </a:p>
@@ -11091,7 +11091,7 @@
           <a:p>
             <a:fld id="{AF6E2C9B-5FA2-460D-9BE7-B0812FC2A6FF}" type="datetimeFigureOut">
               <a:rPr lang="en-US" smtClean="0"/>
-              <a:t>10/9/2022</a:t>
+              <a:t>10/1/2023</a:t>
             </a:fld>
             <a:endParaRPr lang="en-US" dirty="0"/>
           </a:p>
@@ -11356,7 +11356,7 @@
             <a:fld id="{5586B75A-687E-405C-8A0B-8D00578BA2C3}" type="datetimeFigureOut">
               <a:rPr lang="en-US" smtClean="0"/>
               <a:pPr/>
-              <a:t>10/9/2022</a:t>
+              <a:t>10/1/2023</a:t>
             </a:fld>
             <a:endParaRPr lang="en-US" dirty="0"/>
           </a:p>
@@ -12103,7 +12103,7 @@
             <a:fld id="{5586B75A-687E-405C-8A0B-8D00578BA2C3}" type="datetimeFigureOut">
               <a:rPr lang="en-US" smtClean="0"/>
               <a:pPr/>
-              <a:t>10/9/2022</a:t>
+              <a:t>10/1/2023</a:t>
             </a:fld>
             <a:endParaRPr lang="en-US" dirty="0"/>
           </a:p>
@@ -15189,7 +15189,7 @@
           <a:p>
             <a:r>
               <a:rPr lang="cs-CZ" dirty="0"/>
-              <a:t>Výukový server esotemp.vse.cz</a:t>
+              <a:t>Výukový server eso.vse.cz</a:t>
             </a:r>
           </a:p>
         </p:txBody>
@@ -15267,7 +15267,7 @@
             <a:pPr lvl="1"/>
             <a:r>
               <a:rPr lang="cs-CZ" dirty="0"/>
-              <a:t>Adresa serveru:		esotemp.vse.cz</a:t>
+              <a:t>Adresa serveru:		eso.vse.cz</a:t>
             </a:r>
           </a:p>
           <a:p>
@@ -15307,7 +15307,7 @@
               <a:rPr lang="cs-CZ" dirty="0">
                 <a:hlinkClick r:id="rId3"/>
               </a:rPr>
-              <a:t>https://esotemp.vse.cz/</a:t>
+              <a:t>https://eso.vse.cz/</a:t>
             </a:r>
             <a:r>
               <a:rPr lang="en-US" dirty="0">
